--- a/Auswertung, Präsi/Präsentation1.pptx
+++ b/Auswertung, Präsi/Präsentation1.pptx
@@ -6,7 +6,6 @@
   </p:sldMasterIdLst>
   <p:sldIdLst>
     <p:sldId id="256" r:id="rId2"/>
-    <p:sldId id="257" r:id="rId3"/>
   </p:sldIdLst>
   <p:sldSz cx="12192000" cy="6858000"/>
   <p:notesSz cx="6858000" cy="9144000"/>
@@ -105,11 +104,6 @@
       </a:defRPr>
     </a:lvl9pPr>
   </p:defaultTextStyle>
-  <p:extLst>
-    <p:ext uri="{EFAFB233-063F-42B5-8137-9DF3F51BA10A}">
-      <p15:sldGuideLst xmlns:p15="http://schemas.microsoft.com/office/powerpoint/2012/main"/>
-    </p:ext>
-  </p:extLst>
 </p:presentation>
 </file>
 
@@ -3052,126 +3046,6 @@
 </p:sld>
 </file>
 
-<file path=ppt/slides/slide2.xml><?xml version="1.0" encoding="utf-8"?>
-<p:sld xmlns:a="http://schemas.openxmlformats.org/drawingml/2006/main" xmlns:r="http://schemas.openxmlformats.org/officeDocument/2006/relationships" xmlns:p="http://schemas.openxmlformats.org/presentationml/2006/main">
-  <p:cSld>
-    <p:spTree>
-      <p:nvGrpSpPr>
-        <p:cNvPr id="1" name=""/>
-        <p:cNvGrpSpPr/>
-        <p:nvPr/>
-      </p:nvGrpSpPr>
-      <p:grpSpPr>
-        <a:xfrm>
-          <a:off x="0" y="0"/>
-          <a:ext cx="0" cy="0"/>
-          <a:chOff x="0" y="0"/>
-          <a:chExt cx="0" cy="0"/>
-        </a:xfrm>
-      </p:grpSpPr>
-      <p:pic>
-        <p:nvPicPr>
-          <p:cNvPr id="4" name="Grafik 3"/>
-          <p:cNvPicPr>
-            <a:picLocks noChangeAspect="1"/>
-          </p:cNvPicPr>
-          <p:nvPr/>
-        </p:nvPicPr>
-        <p:blipFill>
-          <a:blip r:embed="rId2">
-            <a:extLst>
-              <a:ext uri="{28A0092B-C50C-407E-A947-70E740481C1C}">
-                <a14:useLocalDpi xmlns:a14="http://schemas.microsoft.com/office/drawing/2010/main" val="0"/>
-              </a:ext>
-            </a:extLst>
-          </a:blip>
-          <a:stretch>
-            <a:fillRect/>
-          </a:stretch>
-        </p:blipFill>
-        <p:spPr>
-          <a:xfrm>
-            <a:off x="3918715" y="-94594"/>
-            <a:ext cx="4990832" cy="4089180"/>
-          </a:xfrm>
-          <a:prstGeom prst="rect">
-            <a:avLst/>
-          </a:prstGeom>
-        </p:spPr>
-      </p:pic>
-      <p:pic>
-        <p:nvPicPr>
-          <p:cNvPr id="5" name="Grafik 4"/>
-          <p:cNvPicPr>
-            <a:picLocks noChangeAspect="1"/>
-          </p:cNvPicPr>
-          <p:nvPr/>
-        </p:nvPicPr>
-        <p:blipFill>
-          <a:blip r:embed="rId3">
-            <a:extLst>
-              <a:ext uri="{28A0092B-C50C-407E-A947-70E740481C1C}">
-                <a14:useLocalDpi xmlns:a14="http://schemas.microsoft.com/office/drawing/2010/main" val="0"/>
-              </a:ext>
-            </a:extLst>
-          </a:blip>
-          <a:stretch>
-            <a:fillRect/>
-          </a:stretch>
-        </p:blipFill>
-        <p:spPr>
-          <a:xfrm>
-            <a:off x="7325712" y="2322786"/>
-            <a:ext cx="4866288" cy="3649716"/>
-          </a:xfrm>
-          <a:prstGeom prst="rect">
-            <a:avLst/>
-          </a:prstGeom>
-        </p:spPr>
-      </p:pic>
-      <p:pic>
-        <p:nvPicPr>
-          <p:cNvPr id="6" name="Grafik 5"/>
-          <p:cNvPicPr>
-            <a:picLocks noChangeAspect="1"/>
-          </p:cNvPicPr>
-          <p:nvPr/>
-        </p:nvPicPr>
-        <p:blipFill>
-          <a:blip r:embed="rId4">
-            <a:extLst>
-              <a:ext uri="{28A0092B-C50C-407E-A947-70E740481C1C}">
-                <a14:useLocalDpi xmlns:a14="http://schemas.microsoft.com/office/drawing/2010/main" val="0"/>
-              </a:ext>
-            </a:extLst>
-          </a:blip>
-          <a:stretch>
-            <a:fillRect/>
-          </a:stretch>
-        </p:blipFill>
-        <p:spPr>
-          <a:xfrm>
-            <a:off x="0" y="3095951"/>
-            <a:ext cx="4833443" cy="3662199"/>
-          </a:xfrm>
-          <a:prstGeom prst="rect">
-            <a:avLst/>
-          </a:prstGeom>
-        </p:spPr>
-      </p:pic>
-    </p:spTree>
-    <p:extLst>
-      <p:ext uri="{BB962C8B-B14F-4D97-AF65-F5344CB8AC3E}">
-        <p14:creationId xmlns:p14="http://schemas.microsoft.com/office/powerpoint/2010/main" val="2167495215"/>
-      </p:ext>
-    </p:extLst>
-  </p:cSld>
-  <p:clrMapOvr>
-    <a:masterClrMapping/>
-  </p:clrMapOvr>
-</p:sld>
-</file>
-
 <file path=ppt/theme/theme1.xml><?xml version="1.0" encoding="utf-8"?>
 <a:theme xmlns:a="http://schemas.openxmlformats.org/drawingml/2006/main" name="Office">
   <a:themeElements>

--- a/Auswertung, Präsi/Präsentation1.pptx
+++ b/Auswertung, Präsi/Präsentation1.pptx
@@ -6,6 +6,7 @@
   </p:sldMasterIdLst>
   <p:sldIdLst>
     <p:sldId id="256" r:id="rId2"/>
+    <p:sldId id="257" r:id="rId3"/>
   </p:sldIdLst>
   <p:sldSz cx="12192000" cy="6858000"/>
   <p:notesSz cx="6858000" cy="9144000"/>
@@ -104,6 +105,11 @@
       </a:defRPr>
     </a:lvl9pPr>
   </p:defaultTextStyle>
+  <p:extLst>
+    <p:ext uri="{EFAFB233-063F-42B5-8137-9DF3F51BA10A}">
+      <p15:sldGuideLst xmlns:p15="http://schemas.microsoft.com/office/powerpoint/2012/main"/>
+    </p:ext>
+  </p:extLst>
 </p:presentation>
 </file>
 
@@ -3046,6 +3052,126 @@
 </p:sld>
 </file>
 
+<file path=ppt/slides/slide2.xml><?xml version="1.0" encoding="utf-8"?>
+<p:sld xmlns:a="http://schemas.openxmlformats.org/drawingml/2006/main" xmlns:r="http://schemas.openxmlformats.org/officeDocument/2006/relationships" xmlns:p="http://schemas.openxmlformats.org/presentationml/2006/main">
+  <p:cSld>
+    <p:spTree>
+      <p:nvGrpSpPr>
+        <p:cNvPr id="1" name=""/>
+        <p:cNvGrpSpPr/>
+        <p:nvPr/>
+      </p:nvGrpSpPr>
+      <p:grpSpPr>
+        <a:xfrm>
+          <a:off x="0" y="0"/>
+          <a:ext cx="0" cy="0"/>
+          <a:chOff x="0" y="0"/>
+          <a:chExt cx="0" cy="0"/>
+        </a:xfrm>
+      </p:grpSpPr>
+      <p:pic>
+        <p:nvPicPr>
+          <p:cNvPr id="4" name="Grafik 3"/>
+          <p:cNvPicPr>
+            <a:picLocks noChangeAspect="1"/>
+          </p:cNvPicPr>
+          <p:nvPr/>
+        </p:nvPicPr>
+        <p:blipFill>
+          <a:blip r:embed="rId2">
+            <a:extLst>
+              <a:ext uri="{28A0092B-C50C-407E-A947-70E740481C1C}">
+                <a14:useLocalDpi xmlns:a14="http://schemas.microsoft.com/office/drawing/2010/main" val="0"/>
+              </a:ext>
+            </a:extLst>
+          </a:blip>
+          <a:stretch>
+            <a:fillRect/>
+          </a:stretch>
+        </p:blipFill>
+        <p:spPr>
+          <a:xfrm>
+            <a:off x="3918715" y="-94594"/>
+            <a:ext cx="4990832" cy="4089180"/>
+          </a:xfrm>
+          <a:prstGeom prst="rect">
+            <a:avLst/>
+          </a:prstGeom>
+        </p:spPr>
+      </p:pic>
+      <p:pic>
+        <p:nvPicPr>
+          <p:cNvPr id="5" name="Grafik 4"/>
+          <p:cNvPicPr>
+            <a:picLocks noChangeAspect="1"/>
+          </p:cNvPicPr>
+          <p:nvPr/>
+        </p:nvPicPr>
+        <p:blipFill>
+          <a:blip r:embed="rId3">
+            <a:extLst>
+              <a:ext uri="{28A0092B-C50C-407E-A947-70E740481C1C}">
+                <a14:useLocalDpi xmlns:a14="http://schemas.microsoft.com/office/drawing/2010/main" val="0"/>
+              </a:ext>
+            </a:extLst>
+          </a:blip>
+          <a:stretch>
+            <a:fillRect/>
+          </a:stretch>
+        </p:blipFill>
+        <p:spPr>
+          <a:xfrm>
+            <a:off x="7325712" y="2322786"/>
+            <a:ext cx="4866288" cy="3649716"/>
+          </a:xfrm>
+          <a:prstGeom prst="rect">
+            <a:avLst/>
+          </a:prstGeom>
+        </p:spPr>
+      </p:pic>
+      <p:pic>
+        <p:nvPicPr>
+          <p:cNvPr id="6" name="Grafik 5"/>
+          <p:cNvPicPr>
+            <a:picLocks noChangeAspect="1"/>
+          </p:cNvPicPr>
+          <p:nvPr/>
+        </p:nvPicPr>
+        <p:blipFill>
+          <a:blip r:embed="rId4">
+            <a:extLst>
+              <a:ext uri="{28A0092B-C50C-407E-A947-70E740481C1C}">
+                <a14:useLocalDpi xmlns:a14="http://schemas.microsoft.com/office/drawing/2010/main" val="0"/>
+              </a:ext>
+            </a:extLst>
+          </a:blip>
+          <a:stretch>
+            <a:fillRect/>
+          </a:stretch>
+        </p:blipFill>
+        <p:spPr>
+          <a:xfrm>
+            <a:off x="0" y="3095951"/>
+            <a:ext cx="4833443" cy="3662199"/>
+          </a:xfrm>
+          <a:prstGeom prst="rect">
+            <a:avLst/>
+          </a:prstGeom>
+        </p:spPr>
+      </p:pic>
+    </p:spTree>
+    <p:extLst>
+      <p:ext uri="{BB962C8B-B14F-4D97-AF65-F5344CB8AC3E}">
+        <p14:creationId xmlns:p14="http://schemas.microsoft.com/office/powerpoint/2010/main" val="2167495215"/>
+      </p:ext>
+    </p:extLst>
+  </p:cSld>
+  <p:clrMapOvr>
+    <a:masterClrMapping/>
+  </p:clrMapOvr>
+</p:sld>
+</file>
+
 <file path=ppt/theme/theme1.xml><?xml version="1.0" encoding="utf-8"?>
 <a:theme xmlns:a="http://schemas.openxmlformats.org/drawingml/2006/main" name="Office">
   <a:themeElements>
